--- a/ppt 16-9/1433.何等的爱.pptx
+++ b/ppt 16-9/1433.何等的爱.pptx
@@ -5,7 +5,7 @@
     <p:sldMasterId id="2147483648" r:id="rId1"/>
   </p:sldMasterIdLst>
   <p:sldIdLst>
-    <p:sldId id="1004" r:id="rId2"/>
+    <p:sldId id="1005" r:id="rId2"/>
   </p:sldIdLst>
   <p:sldSz cx="12192000" cy="6858000"/>
   <p:notesSz cx="6858000" cy="9144000"/>
@@ -129,7 +129,7 @@
           <p:cNvPr id="2" name="标题 1">
             <a:extLst>
               <a:ext uri="{FF2B5EF4-FFF2-40B4-BE49-F238E27FC236}">
-                <a16:creationId xmlns:a16="http://schemas.microsoft.com/office/drawing/2014/main" id="{561D88A7-F849-E3D0-796A-59C3FB847A98}"/>
+                <a16:creationId xmlns:a16="http://schemas.microsoft.com/office/drawing/2014/main" id="{D4FCB480-9EE1-7393-E25B-CC8AC8076858}"/>
               </a:ext>
             </a:extLst>
           </p:cNvPr>
@@ -166,7 +166,7 @@
           <p:cNvPr id="3" name="副标题 2">
             <a:extLst>
               <a:ext uri="{FF2B5EF4-FFF2-40B4-BE49-F238E27FC236}">
-                <a16:creationId xmlns:a16="http://schemas.microsoft.com/office/drawing/2014/main" id="{18A05B57-6741-0223-9310-85E226AD181A}"/>
+                <a16:creationId xmlns:a16="http://schemas.microsoft.com/office/drawing/2014/main" id="{9B9021B9-7C8E-EB06-66FC-EECE869B9D71}"/>
               </a:ext>
             </a:extLst>
           </p:cNvPr>
@@ -236,7 +236,7 @@
           <p:cNvPr id="4" name="日期占位符 3">
             <a:extLst>
               <a:ext uri="{FF2B5EF4-FFF2-40B4-BE49-F238E27FC236}">
-                <a16:creationId xmlns:a16="http://schemas.microsoft.com/office/drawing/2014/main" id="{AB913774-F59D-78E9-0B6B-BCF5796D9F30}"/>
+                <a16:creationId xmlns:a16="http://schemas.microsoft.com/office/drawing/2014/main" id="{58A4B363-2F6C-165D-F067-6DEB997A29CD}"/>
               </a:ext>
             </a:extLst>
           </p:cNvPr>
@@ -252,7 +252,7 @@
           <a:bodyPr/>
           <a:lstStyle/>
           <a:p>
-            <a:fld id="{DB88AFD8-DADC-4209-AF26-2B1B419D7BC3}" type="datetimeFigureOut">
+            <a:fld id="{BCF28712-EE2A-42BB-80FE-EAA484E6719A}" type="datetimeFigureOut">
               <a:rPr lang="zh-CN" altLang="en-US" smtClean="0"/>
               <a:t>2024/3/10</a:t>
             </a:fld>
@@ -265,7 +265,7 @@
           <p:cNvPr id="5" name="页脚占位符 4">
             <a:extLst>
               <a:ext uri="{FF2B5EF4-FFF2-40B4-BE49-F238E27FC236}">
-                <a16:creationId xmlns:a16="http://schemas.microsoft.com/office/drawing/2014/main" id="{40F1733F-2321-30E7-2D6C-CC039A3EBCF4}"/>
+                <a16:creationId xmlns:a16="http://schemas.microsoft.com/office/drawing/2014/main" id="{983B432F-F091-22C4-DE3F-3BBAA2885C13}"/>
               </a:ext>
             </a:extLst>
           </p:cNvPr>
@@ -290,7 +290,7 @@
           <p:cNvPr id="6" name="灯片编号占位符 5">
             <a:extLst>
               <a:ext uri="{FF2B5EF4-FFF2-40B4-BE49-F238E27FC236}">
-                <a16:creationId xmlns:a16="http://schemas.microsoft.com/office/drawing/2014/main" id="{39EDFC0B-7A74-06EB-9699-A0F0AB12F37C}"/>
+                <a16:creationId xmlns:a16="http://schemas.microsoft.com/office/drawing/2014/main" id="{3DDEC70C-13F1-C1D2-6EF7-A2137265A5A6}"/>
               </a:ext>
             </a:extLst>
           </p:cNvPr>
@@ -306,7 +306,7 @@
           <a:bodyPr/>
           <a:lstStyle/>
           <a:p>
-            <a:fld id="{12F29AA9-D9FE-402B-82E2-A0ECA1626D60}" type="slidenum">
+            <a:fld id="{EC7C8A22-A04D-4C04-85A4-0DDE7D8B9AEB}" type="slidenum">
               <a:rPr lang="zh-CN" altLang="en-US" smtClean="0"/>
               <a:t>‹#›</a:t>
             </a:fld>
@@ -317,7 +317,7 @@
     </p:spTree>
     <p:extLst>
       <p:ext uri="{BB962C8B-B14F-4D97-AF65-F5344CB8AC3E}">
-        <p14:creationId xmlns:p14="http://schemas.microsoft.com/office/powerpoint/2010/main" val="146665228"/>
+        <p14:creationId xmlns:p14="http://schemas.microsoft.com/office/powerpoint/2010/main" val="3788109721"/>
       </p:ext>
     </p:extLst>
   </p:cSld>
@@ -349,7 +349,7 @@
           <p:cNvPr id="2" name="标题 1">
             <a:extLst>
               <a:ext uri="{FF2B5EF4-FFF2-40B4-BE49-F238E27FC236}">
-                <a16:creationId xmlns:a16="http://schemas.microsoft.com/office/drawing/2014/main" id="{42545417-3627-80AB-56C3-854B21421649}"/>
+                <a16:creationId xmlns:a16="http://schemas.microsoft.com/office/drawing/2014/main" id="{F17C8EA2-8F83-D1A8-B299-61681BE7680A}"/>
               </a:ext>
             </a:extLst>
           </p:cNvPr>
@@ -377,7 +377,7 @@
           <p:cNvPr id="3" name="竖排文字占位符 2">
             <a:extLst>
               <a:ext uri="{FF2B5EF4-FFF2-40B4-BE49-F238E27FC236}">
-                <a16:creationId xmlns:a16="http://schemas.microsoft.com/office/drawing/2014/main" id="{9683D4B2-CA19-3C1B-0BCF-7BDAFA21629E}"/>
+                <a16:creationId xmlns:a16="http://schemas.microsoft.com/office/drawing/2014/main" id="{005EA9A4-C92F-26F7-6BAF-11B1E13D1FA5}"/>
               </a:ext>
             </a:extLst>
           </p:cNvPr>
@@ -434,7 +434,7 @@
           <p:cNvPr id="4" name="日期占位符 3">
             <a:extLst>
               <a:ext uri="{FF2B5EF4-FFF2-40B4-BE49-F238E27FC236}">
-                <a16:creationId xmlns:a16="http://schemas.microsoft.com/office/drawing/2014/main" id="{2DFD0701-A3E1-71C2-2593-E1BACFB631DB}"/>
+                <a16:creationId xmlns:a16="http://schemas.microsoft.com/office/drawing/2014/main" id="{CE799066-0448-B90E-C58F-CE6B895DC802}"/>
               </a:ext>
             </a:extLst>
           </p:cNvPr>
@@ -450,7 +450,7 @@
           <a:bodyPr/>
           <a:lstStyle/>
           <a:p>
-            <a:fld id="{DB88AFD8-DADC-4209-AF26-2B1B419D7BC3}" type="datetimeFigureOut">
+            <a:fld id="{BCF28712-EE2A-42BB-80FE-EAA484E6719A}" type="datetimeFigureOut">
               <a:rPr lang="zh-CN" altLang="en-US" smtClean="0"/>
               <a:t>2024/3/10</a:t>
             </a:fld>
@@ -463,7 +463,7 @@
           <p:cNvPr id="5" name="页脚占位符 4">
             <a:extLst>
               <a:ext uri="{FF2B5EF4-FFF2-40B4-BE49-F238E27FC236}">
-                <a16:creationId xmlns:a16="http://schemas.microsoft.com/office/drawing/2014/main" id="{08AF6A98-AE49-B2ED-0339-A594B1A1981A}"/>
+                <a16:creationId xmlns:a16="http://schemas.microsoft.com/office/drawing/2014/main" id="{7FBD2993-E8C0-6DBE-D250-F9DA986D0248}"/>
               </a:ext>
             </a:extLst>
           </p:cNvPr>
@@ -488,7 +488,7 @@
           <p:cNvPr id="6" name="灯片编号占位符 5">
             <a:extLst>
               <a:ext uri="{FF2B5EF4-FFF2-40B4-BE49-F238E27FC236}">
-                <a16:creationId xmlns:a16="http://schemas.microsoft.com/office/drawing/2014/main" id="{A3D6EB30-5776-09C5-4C3A-CAA03108A321}"/>
+                <a16:creationId xmlns:a16="http://schemas.microsoft.com/office/drawing/2014/main" id="{32B775E1-7A14-15AF-1E81-79D54321012A}"/>
               </a:ext>
             </a:extLst>
           </p:cNvPr>
@@ -504,7 +504,7 @@
           <a:bodyPr/>
           <a:lstStyle/>
           <a:p>
-            <a:fld id="{12F29AA9-D9FE-402B-82E2-A0ECA1626D60}" type="slidenum">
+            <a:fld id="{EC7C8A22-A04D-4C04-85A4-0DDE7D8B9AEB}" type="slidenum">
               <a:rPr lang="zh-CN" altLang="en-US" smtClean="0"/>
               <a:t>‹#›</a:t>
             </a:fld>
@@ -515,7 +515,7 @@
     </p:spTree>
     <p:extLst>
       <p:ext uri="{BB962C8B-B14F-4D97-AF65-F5344CB8AC3E}">
-        <p14:creationId xmlns:p14="http://schemas.microsoft.com/office/powerpoint/2010/main" val="3959934891"/>
+        <p14:creationId xmlns:p14="http://schemas.microsoft.com/office/powerpoint/2010/main" val="1956437980"/>
       </p:ext>
     </p:extLst>
   </p:cSld>
@@ -547,7 +547,7 @@
           <p:cNvPr id="2" name="竖排标题 1">
             <a:extLst>
               <a:ext uri="{FF2B5EF4-FFF2-40B4-BE49-F238E27FC236}">
-                <a16:creationId xmlns:a16="http://schemas.microsoft.com/office/drawing/2014/main" id="{486068CD-7BA5-CF77-8522-6ED05B52AF5B}"/>
+                <a16:creationId xmlns:a16="http://schemas.microsoft.com/office/drawing/2014/main" id="{F07FDBFB-21B4-02FB-D207-59070EC79CAF}"/>
               </a:ext>
             </a:extLst>
           </p:cNvPr>
@@ -580,7 +580,7 @@
           <p:cNvPr id="3" name="竖排文字占位符 2">
             <a:extLst>
               <a:ext uri="{FF2B5EF4-FFF2-40B4-BE49-F238E27FC236}">
-                <a16:creationId xmlns:a16="http://schemas.microsoft.com/office/drawing/2014/main" id="{ACA8F46E-0400-8BFB-6FB2-2CF0B123473D}"/>
+                <a16:creationId xmlns:a16="http://schemas.microsoft.com/office/drawing/2014/main" id="{14FB9854-CBC7-5019-C512-1F8FC69CBD1C}"/>
               </a:ext>
             </a:extLst>
           </p:cNvPr>
@@ -642,7 +642,7 @@
           <p:cNvPr id="4" name="日期占位符 3">
             <a:extLst>
               <a:ext uri="{FF2B5EF4-FFF2-40B4-BE49-F238E27FC236}">
-                <a16:creationId xmlns:a16="http://schemas.microsoft.com/office/drawing/2014/main" id="{1977DF9F-9EB8-59E9-FEB4-B3F53232FA76}"/>
+                <a16:creationId xmlns:a16="http://schemas.microsoft.com/office/drawing/2014/main" id="{43C7EAE1-118D-862B-962F-C35C2267451F}"/>
               </a:ext>
             </a:extLst>
           </p:cNvPr>
@@ -658,7 +658,7 @@
           <a:bodyPr/>
           <a:lstStyle/>
           <a:p>
-            <a:fld id="{DB88AFD8-DADC-4209-AF26-2B1B419D7BC3}" type="datetimeFigureOut">
+            <a:fld id="{BCF28712-EE2A-42BB-80FE-EAA484E6719A}" type="datetimeFigureOut">
               <a:rPr lang="zh-CN" altLang="en-US" smtClean="0"/>
               <a:t>2024/3/10</a:t>
             </a:fld>
@@ -671,7 +671,7 @@
           <p:cNvPr id="5" name="页脚占位符 4">
             <a:extLst>
               <a:ext uri="{FF2B5EF4-FFF2-40B4-BE49-F238E27FC236}">
-                <a16:creationId xmlns:a16="http://schemas.microsoft.com/office/drawing/2014/main" id="{C51E4A88-00AF-FA56-0957-E61CD4E2A73E}"/>
+                <a16:creationId xmlns:a16="http://schemas.microsoft.com/office/drawing/2014/main" id="{302BCA6C-E937-EF27-E819-C9E224B072AA}"/>
               </a:ext>
             </a:extLst>
           </p:cNvPr>
@@ -696,7 +696,7 @@
           <p:cNvPr id="6" name="灯片编号占位符 5">
             <a:extLst>
               <a:ext uri="{FF2B5EF4-FFF2-40B4-BE49-F238E27FC236}">
-                <a16:creationId xmlns:a16="http://schemas.microsoft.com/office/drawing/2014/main" id="{F0E8A0B3-A585-B54E-8DA8-A89DE765CF01}"/>
+                <a16:creationId xmlns:a16="http://schemas.microsoft.com/office/drawing/2014/main" id="{5DB8B99D-9118-C011-9DDE-120E53D4B7B7}"/>
               </a:ext>
             </a:extLst>
           </p:cNvPr>
@@ -712,7 +712,7 @@
           <a:bodyPr/>
           <a:lstStyle/>
           <a:p>
-            <a:fld id="{12F29AA9-D9FE-402B-82E2-A0ECA1626D60}" type="slidenum">
+            <a:fld id="{EC7C8A22-A04D-4C04-85A4-0DDE7D8B9AEB}" type="slidenum">
               <a:rPr lang="zh-CN" altLang="en-US" smtClean="0"/>
               <a:t>‹#›</a:t>
             </a:fld>
@@ -723,7 +723,7 @@
     </p:spTree>
     <p:extLst>
       <p:ext uri="{BB962C8B-B14F-4D97-AF65-F5344CB8AC3E}">
-        <p14:creationId xmlns:p14="http://schemas.microsoft.com/office/powerpoint/2010/main" val="3111791152"/>
+        <p14:creationId xmlns:p14="http://schemas.microsoft.com/office/powerpoint/2010/main" val="2917305124"/>
       </p:ext>
     </p:extLst>
   </p:cSld>
@@ -755,7 +755,7 @@
           <p:cNvPr id="2" name="标题 1">
             <a:extLst>
               <a:ext uri="{FF2B5EF4-FFF2-40B4-BE49-F238E27FC236}">
-                <a16:creationId xmlns:a16="http://schemas.microsoft.com/office/drawing/2014/main" id="{BA7A98E7-82AB-5AE0-8BA0-984BCADC32C3}"/>
+                <a16:creationId xmlns:a16="http://schemas.microsoft.com/office/drawing/2014/main" id="{4F9FD5E4-D55B-0BC7-C2B7-76F0F05660C8}"/>
               </a:ext>
             </a:extLst>
           </p:cNvPr>
@@ -783,7 +783,7 @@
           <p:cNvPr id="3" name="内容占位符 2">
             <a:extLst>
               <a:ext uri="{FF2B5EF4-FFF2-40B4-BE49-F238E27FC236}">
-                <a16:creationId xmlns:a16="http://schemas.microsoft.com/office/drawing/2014/main" id="{6AF2565B-280F-EEF6-7BB9-873942B30DBE}"/>
+                <a16:creationId xmlns:a16="http://schemas.microsoft.com/office/drawing/2014/main" id="{EC5E6820-0317-5D5A-8CEA-75CA1B457298}"/>
               </a:ext>
             </a:extLst>
           </p:cNvPr>
@@ -840,7 +840,7 @@
           <p:cNvPr id="4" name="日期占位符 3">
             <a:extLst>
               <a:ext uri="{FF2B5EF4-FFF2-40B4-BE49-F238E27FC236}">
-                <a16:creationId xmlns:a16="http://schemas.microsoft.com/office/drawing/2014/main" id="{6EBA3D0D-DAF5-C298-3C5B-EA082690E831}"/>
+                <a16:creationId xmlns:a16="http://schemas.microsoft.com/office/drawing/2014/main" id="{DE791F44-5241-28DD-E221-82034FA77323}"/>
               </a:ext>
             </a:extLst>
           </p:cNvPr>
@@ -856,7 +856,7 @@
           <a:bodyPr/>
           <a:lstStyle/>
           <a:p>
-            <a:fld id="{DB88AFD8-DADC-4209-AF26-2B1B419D7BC3}" type="datetimeFigureOut">
+            <a:fld id="{BCF28712-EE2A-42BB-80FE-EAA484E6719A}" type="datetimeFigureOut">
               <a:rPr lang="zh-CN" altLang="en-US" smtClean="0"/>
               <a:t>2024/3/10</a:t>
             </a:fld>
@@ -869,7 +869,7 @@
           <p:cNvPr id="5" name="页脚占位符 4">
             <a:extLst>
               <a:ext uri="{FF2B5EF4-FFF2-40B4-BE49-F238E27FC236}">
-                <a16:creationId xmlns:a16="http://schemas.microsoft.com/office/drawing/2014/main" id="{9F649F84-BD18-D002-6111-FC53E59D2712}"/>
+                <a16:creationId xmlns:a16="http://schemas.microsoft.com/office/drawing/2014/main" id="{1C28D10F-7300-4D24-0B48-0E70E2B35D60}"/>
               </a:ext>
             </a:extLst>
           </p:cNvPr>
@@ -894,7 +894,7 @@
           <p:cNvPr id="6" name="灯片编号占位符 5">
             <a:extLst>
               <a:ext uri="{FF2B5EF4-FFF2-40B4-BE49-F238E27FC236}">
-                <a16:creationId xmlns:a16="http://schemas.microsoft.com/office/drawing/2014/main" id="{E41DE5E4-C3E7-576A-D450-D9BC916CF5D1}"/>
+                <a16:creationId xmlns:a16="http://schemas.microsoft.com/office/drawing/2014/main" id="{D1C7C7AA-78FF-CB57-1E98-00D81FAA8124}"/>
               </a:ext>
             </a:extLst>
           </p:cNvPr>
@@ -910,7 +910,7 @@
           <a:bodyPr/>
           <a:lstStyle/>
           <a:p>
-            <a:fld id="{12F29AA9-D9FE-402B-82E2-A0ECA1626D60}" type="slidenum">
+            <a:fld id="{EC7C8A22-A04D-4C04-85A4-0DDE7D8B9AEB}" type="slidenum">
               <a:rPr lang="zh-CN" altLang="en-US" smtClean="0"/>
               <a:t>‹#›</a:t>
             </a:fld>
@@ -921,7 +921,7 @@
     </p:spTree>
     <p:extLst>
       <p:ext uri="{BB962C8B-B14F-4D97-AF65-F5344CB8AC3E}">
-        <p14:creationId xmlns:p14="http://schemas.microsoft.com/office/powerpoint/2010/main" val="1560938638"/>
+        <p14:creationId xmlns:p14="http://schemas.microsoft.com/office/powerpoint/2010/main" val="1127860512"/>
       </p:ext>
     </p:extLst>
   </p:cSld>
@@ -953,7 +953,7 @@
           <p:cNvPr id="2" name="标题 1">
             <a:extLst>
               <a:ext uri="{FF2B5EF4-FFF2-40B4-BE49-F238E27FC236}">
-                <a16:creationId xmlns:a16="http://schemas.microsoft.com/office/drawing/2014/main" id="{061CBE2D-02D3-1B1D-1C34-92D1A6D9D4AF}"/>
+                <a16:creationId xmlns:a16="http://schemas.microsoft.com/office/drawing/2014/main" id="{B77DED8C-78E8-FB70-3209-699185A32BE6}"/>
               </a:ext>
             </a:extLst>
           </p:cNvPr>
@@ -990,7 +990,7 @@
           <p:cNvPr id="3" name="文本占位符 2">
             <a:extLst>
               <a:ext uri="{FF2B5EF4-FFF2-40B4-BE49-F238E27FC236}">
-                <a16:creationId xmlns:a16="http://schemas.microsoft.com/office/drawing/2014/main" id="{8DD26FC9-79E9-66EE-4B52-C68DC2E8B10A}"/>
+                <a16:creationId xmlns:a16="http://schemas.microsoft.com/office/drawing/2014/main" id="{AEDBF9A0-88C2-436F-30B0-8B8743D4B1A4}"/>
               </a:ext>
             </a:extLst>
           </p:cNvPr>
@@ -1115,7 +1115,7 @@
           <p:cNvPr id="4" name="日期占位符 3">
             <a:extLst>
               <a:ext uri="{FF2B5EF4-FFF2-40B4-BE49-F238E27FC236}">
-                <a16:creationId xmlns:a16="http://schemas.microsoft.com/office/drawing/2014/main" id="{7BA508C0-3B5B-E81F-B07A-469A888C0673}"/>
+                <a16:creationId xmlns:a16="http://schemas.microsoft.com/office/drawing/2014/main" id="{D424783E-F1AD-4868-2D6B-EA06FF4129C3}"/>
               </a:ext>
             </a:extLst>
           </p:cNvPr>
@@ -1131,7 +1131,7 @@
           <a:bodyPr/>
           <a:lstStyle/>
           <a:p>
-            <a:fld id="{DB88AFD8-DADC-4209-AF26-2B1B419D7BC3}" type="datetimeFigureOut">
+            <a:fld id="{BCF28712-EE2A-42BB-80FE-EAA484E6719A}" type="datetimeFigureOut">
               <a:rPr lang="zh-CN" altLang="en-US" smtClean="0"/>
               <a:t>2024/3/10</a:t>
             </a:fld>
@@ -1144,7 +1144,7 @@
           <p:cNvPr id="5" name="页脚占位符 4">
             <a:extLst>
               <a:ext uri="{FF2B5EF4-FFF2-40B4-BE49-F238E27FC236}">
-                <a16:creationId xmlns:a16="http://schemas.microsoft.com/office/drawing/2014/main" id="{780759C5-CF95-4DA3-D826-89ABADAA6D4C}"/>
+                <a16:creationId xmlns:a16="http://schemas.microsoft.com/office/drawing/2014/main" id="{2D71EF74-F9BE-0AE2-8140-EC9CB7915E48}"/>
               </a:ext>
             </a:extLst>
           </p:cNvPr>
@@ -1169,7 +1169,7 @@
           <p:cNvPr id="6" name="灯片编号占位符 5">
             <a:extLst>
               <a:ext uri="{FF2B5EF4-FFF2-40B4-BE49-F238E27FC236}">
-                <a16:creationId xmlns:a16="http://schemas.microsoft.com/office/drawing/2014/main" id="{740D330D-B816-F516-E416-AB0AE62F8FEF}"/>
+                <a16:creationId xmlns:a16="http://schemas.microsoft.com/office/drawing/2014/main" id="{983F07D5-10E0-321B-F3F5-20DAE6C9A195}"/>
               </a:ext>
             </a:extLst>
           </p:cNvPr>
@@ -1185,7 +1185,7 @@
           <a:bodyPr/>
           <a:lstStyle/>
           <a:p>
-            <a:fld id="{12F29AA9-D9FE-402B-82E2-A0ECA1626D60}" type="slidenum">
+            <a:fld id="{EC7C8A22-A04D-4C04-85A4-0DDE7D8B9AEB}" type="slidenum">
               <a:rPr lang="zh-CN" altLang="en-US" smtClean="0"/>
               <a:t>‹#›</a:t>
             </a:fld>
@@ -1196,7 +1196,7 @@
     </p:spTree>
     <p:extLst>
       <p:ext uri="{BB962C8B-B14F-4D97-AF65-F5344CB8AC3E}">
-        <p14:creationId xmlns:p14="http://schemas.microsoft.com/office/powerpoint/2010/main" val="742738983"/>
+        <p14:creationId xmlns:p14="http://schemas.microsoft.com/office/powerpoint/2010/main" val="1388664335"/>
       </p:ext>
     </p:extLst>
   </p:cSld>
@@ -1228,7 +1228,7 @@
           <p:cNvPr id="2" name="标题 1">
             <a:extLst>
               <a:ext uri="{FF2B5EF4-FFF2-40B4-BE49-F238E27FC236}">
-                <a16:creationId xmlns:a16="http://schemas.microsoft.com/office/drawing/2014/main" id="{3BE56034-25BD-BC4D-D511-23D2A66BFCA6}"/>
+                <a16:creationId xmlns:a16="http://schemas.microsoft.com/office/drawing/2014/main" id="{B7993CB5-FE97-24EB-33D1-3F794B45BF0C}"/>
               </a:ext>
             </a:extLst>
           </p:cNvPr>
@@ -1256,7 +1256,7 @@
           <p:cNvPr id="3" name="内容占位符 2">
             <a:extLst>
               <a:ext uri="{FF2B5EF4-FFF2-40B4-BE49-F238E27FC236}">
-                <a16:creationId xmlns:a16="http://schemas.microsoft.com/office/drawing/2014/main" id="{8BA0580F-D917-DA9F-482E-080379D1F23F}"/>
+                <a16:creationId xmlns:a16="http://schemas.microsoft.com/office/drawing/2014/main" id="{F260CB9A-03CE-1A07-43E5-2AC83B470D4D}"/>
               </a:ext>
             </a:extLst>
           </p:cNvPr>
@@ -1318,7 +1318,7 @@
           <p:cNvPr id="4" name="内容占位符 3">
             <a:extLst>
               <a:ext uri="{FF2B5EF4-FFF2-40B4-BE49-F238E27FC236}">
-                <a16:creationId xmlns:a16="http://schemas.microsoft.com/office/drawing/2014/main" id="{8F3BB64B-CA35-19C3-3AE6-215E684B5570}"/>
+                <a16:creationId xmlns:a16="http://schemas.microsoft.com/office/drawing/2014/main" id="{C2F61E01-720C-FDFA-6806-ED5737ABC5BE}"/>
               </a:ext>
             </a:extLst>
           </p:cNvPr>
@@ -1380,7 +1380,7 @@
           <p:cNvPr id="5" name="日期占位符 4">
             <a:extLst>
               <a:ext uri="{FF2B5EF4-FFF2-40B4-BE49-F238E27FC236}">
-                <a16:creationId xmlns:a16="http://schemas.microsoft.com/office/drawing/2014/main" id="{DBC06AE2-CC3A-F103-51F2-6B8DDDB2968F}"/>
+                <a16:creationId xmlns:a16="http://schemas.microsoft.com/office/drawing/2014/main" id="{AA805AD5-6FBE-F4BC-C5A1-CCBDA140BBA1}"/>
               </a:ext>
             </a:extLst>
           </p:cNvPr>
@@ -1396,7 +1396,7 @@
           <a:bodyPr/>
           <a:lstStyle/>
           <a:p>
-            <a:fld id="{DB88AFD8-DADC-4209-AF26-2B1B419D7BC3}" type="datetimeFigureOut">
+            <a:fld id="{BCF28712-EE2A-42BB-80FE-EAA484E6719A}" type="datetimeFigureOut">
               <a:rPr lang="zh-CN" altLang="en-US" smtClean="0"/>
               <a:t>2024/3/10</a:t>
             </a:fld>
@@ -1409,7 +1409,7 @@
           <p:cNvPr id="6" name="页脚占位符 5">
             <a:extLst>
               <a:ext uri="{FF2B5EF4-FFF2-40B4-BE49-F238E27FC236}">
-                <a16:creationId xmlns:a16="http://schemas.microsoft.com/office/drawing/2014/main" id="{C9E7209D-D871-F47C-05F5-6781687DCA86}"/>
+                <a16:creationId xmlns:a16="http://schemas.microsoft.com/office/drawing/2014/main" id="{845AD91C-8DC9-63A7-6CDB-779307118C76}"/>
               </a:ext>
             </a:extLst>
           </p:cNvPr>
@@ -1434,7 +1434,7 @@
           <p:cNvPr id="7" name="灯片编号占位符 6">
             <a:extLst>
               <a:ext uri="{FF2B5EF4-FFF2-40B4-BE49-F238E27FC236}">
-                <a16:creationId xmlns:a16="http://schemas.microsoft.com/office/drawing/2014/main" id="{249BD7BD-A978-4BE1-94F0-D171529E1E40}"/>
+                <a16:creationId xmlns:a16="http://schemas.microsoft.com/office/drawing/2014/main" id="{58A51A73-B479-475D-F0DA-777295EC7589}"/>
               </a:ext>
             </a:extLst>
           </p:cNvPr>
@@ -1450,7 +1450,7 @@
           <a:bodyPr/>
           <a:lstStyle/>
           <a:p>
-            <a:fld id="{12F29AA9-D9FE-402B-82E2-A0ECA1626D60}" type="slidenum">
+            <a:fld id="{EC7C8A22-A04D-4C04-85A4-0DDE7D8B9AEB}" type="slidenum">
               <a:rPr lang="zh-CN" altLang="en-US" smtClean="0"/>
               <a:t>‹#›</a:t>
             </a:fld>
@@ -1461,7 +1461,7 @@
     </p:spTree>
     <p:extLst>
       <p:ext uri="{BB962C8B-B14F-4D97-AF65-F5344CB8AC3E}">
-        <p14:creationId xmlns:p14="http://schemas.microsoft.com/office/powerpoint/2010/main" val="2228397603"/>
+        <p14:creationId xmlns:p14="http://schemas.microsoft.com/office/powerpoint/2010/main" val="4143291801"/>
       </p:ext>
     </p:extLst>
   </p:cSld>
@@ -1493,7 +1493,7 @@
           <p:cNvPr id="2" name="标题 1">
             <a:extLst>
               <a:ext uri="{FF2B5EF4-FFF2-40B4-BE49-F238E27FC236}">
-                <a16:creationId xmlns:a16="http://schemas.microsoft.com/office/drawing/2014/main" id="{34E0A5F0-5C9E-63A9-3DF6-A4CB5310E7DB}"/>
+                <a16:creationId xmlns:a16="http://schemas.microsoft.com/office/drawing/2014/main" id="{FB5DD615-BE15-3EE9-25F5-355CCF98DA06}"/>
               </a:ext>
             </a:extLst>
           </p:cNvPr>
@@ -1526,7 +1526,7 @@
           <p:cNvPr id="3" name="文本占位符 2">
             <a:extLst>
               <a:ext uri="{FF2B5EF4-FFF2-40B4-BE49-F238E27FC236}">
-                <a16:creationId xmlns:a16="http://schemas.microsoft.com/office/drawing/2014/main" id="{06C398D3-583B-F312-4F22-4DAEE795CBC4}"/>
+                <a16:creationId xmlns:a16="http://schemas.microsoft.com/office/drawing/2014/main" id="{64D06B2A-75B8-853D-174A-DD7CB3650656}"/>
               </a:ext>
             </a:extLst>
           </p:cNvPr>
@@ -1597,7 +1597,7 @@
           <p:cNvPr id="4" name="内容占位符 3">
             <a:extLst>
               <a:ext uri="{FF2B5EF4-FFF2-40B4-BE49-F238E27FC236}">
-                <a16:creationId xmlns:a16="http://schemas.microsoft.com/office/drawing/2014/main" id="{854E5233-CA26-C9C5-1596-FC6C7112BDD3}"/>
+                <a16:creationId xmlns:a16="http://schemas.microsoft.com/office/drawing/2014/main" id="{583473C7-C236-51F2-1FC1-CA5D07956B96}"/>
               </a:ext>
             </a:extLst>
           </p:cNvPr>
@@ -1659,7 +1659,7 @@
           <p:cNvPr id="5" name="文本占位符 4">
             <a:extLst>
               <a:ext uri="{FF2B5EF4-FFF2-40B4-BE49-F238E27FC236}">
-                <a16:creationId xmlns:a16="http://schemas.microsoft.com/office/drawing/2014/main" id="{E26FB6DD-5B57-E8AB-EAEF-D7FAD500C847}"/>
+                <a16:creationId xmlns:a16="http://schemas.microsoft.com/office/drawing/2014/main" id="{83056DAE-6004-5190-26D1-480F3968F01A}"/>
               </a:ext>
             </a:extLst>
           </p:cNvPr>
@@ -1730,7 +1730,7 @@
           <p:cNvPr id="6" name="内容占位符 5">
             <a:extLst>
               <a:ext uri="{FF2B5EF4-FFF2-40B4-BE49-F238E27FC236}">
-                <a16:creationId xmlns:a16="http://schemas.microsoft.com/office/drawing/2014/main" id="{D8760C98-A7A6-0B88-C07B-9A594ECB4807}"/>
+                <a16:creationId xmlns:a16="http://schemas.microsoft.com/office/drawing/2014/main" id="{DF6FB13B-5DBB-EC49-D454-116D9CDD1E32}"/>
               </a:ext>
             </a:extLst>
           </p:cNvPr>
@@ -1792,7 +1792,7 @@
           <p:cNvPr id="7" name="日期占位符 6">
             <a:extLst>
               <a:ext uri="{FF2B5EF4-FFF2-40B4-BE49-F238E27FC236}">
-                <a16:creationId xmlns:a16="http://schemas.microsoft.com/office/drawing/2014/main" id="{C4A9825B-7383-5D19-59FF-AEDE5E7A7B0C}"/>
+                <a16:creationId xmlns:a16="http://schemas.microsoft.com/office/drawing/2014/main" id="{43A2BE99-4593-EBBF-0FFC-8FD2F1831D8D}"/>
               </a:ext>
             </a:extLst>
           </p:cNvPr>
@@ -1808,7 +1808,7 @@
           <a:bodyPr/>
           <a:lstStyle/>
           <a:p>
-            <a:fld id="{DB88AFD8-DADC-4209-AF26-2B1B419D7BC3}" type="datetimeFigureOut">
+            <a:fld id="{BCF28712-EE2A-42BB-80FE-EAA484E6719A}" type="datetimeFigureOut">
               <a:rPr lang="zh-CN" altLang="en-US" smtClean="0"/>
               <a:t>2024/3/10</a:t>
             </a:fld>
@@ -1821,7 +1821,7 @@
           <p:cNvPr id="8" name="页脚占位符 7">
             <a:extLst>
               <a:ext uri="{FF2B5EF4-FFF2-40B4-BE49-F238E27FC236}">
-                <a16:creationId xmlns:a16="http://schemas.microsoft.com/office/drawing/2014/main" id="{F139F8F7-6B86-5921-D364-6594F3CAB4D6}"/>
+                <a16:creationId xmlns:a16="http://schemas.microsoft.com/office/drawing/2014/main" id="{4F0759DF-03E0-F3A3-2C37-5CA6AC7D1C9B}"/>
               </a:ext>
             </a:extLst>
           </p:cNvPr>
@@ -1846,7 +1846,7 @@
           <p:cNvPr id="9" name="灯片编号占位符 8">
             <a:extLst>
               <a:ext uri="{FF2B5EF4-FFF2-40B4-BE49-F238E27FC236}">
-                <a16:creationId xmlns:a16="http://schemas.microsoft.com/office/drawing/2014/main" id="{F30EC8AA-CC4B-E130-6B1D-6163D16E55B4}"/>
+                <a16:creationId xmlns:a16="http://schemas.microsoft.com/office/drawing/2014/main" id="{6D77D4F7-1BAE-A375-4DA2-A797A4D097BD}"/>
               </a:ext>
             </a:extLst>
           </p:cNvPr>
@@ -1862,7 +1862,7 @@
           <a:bodyPr/>
           <a:lstStyle/>
           <a:p>
-            <a:fld id="{12F29AA9-D9FE-402B-82E2-A0ECA1626D60}" type="slidenum">
+            <a:fld id="{EC7C8A22-A04D-4C04-85A4-0DDE7D8B9AEB}" type="slidenum">
               <a:rPr lang="zh-CN" altLang="en-US" smtClean="0"/>
               <a:t>‹#›</a:t>
             </a:fld>
@@ -1873,7 +1873,7 @@
     </p:spTree>
     <p:extLst>
       <p:ext uri="{BB962C8B-B14F-4D97-AF65-F5344CB8AC3E}">
-        <p14:creationId xmlns:p14="http://schemas.microsoft.com/office/powerpoint/2010/main" val="1175046891"/>
+        <p14:creationId xmlns:p14="http://schemas.microsoft.com/office/powerpoint/2010/main" val="367525129"/>
       </p:ext>
     </p:extLst>
   </p:cSld>
@@ -1905,7 +1905,7 @@
           <p:cNvPr id="2" name="标题 1">
             <a:extLst>
               <a:ext uri="{FF2B5EF4-FFF2-40B4-BE49-F238E27FC236}">
-                <a16:creationId xmlns:a16="http://schemas.microsoft.com/office/drawing/2014/main" id="{83F19777-61B3-BA19-2137-69CEAA701045}"/>
+                <a16:creationId xmlns:a16="http://schemas.microsoft.com/office/drawing/2014/main" id="{6F7948BE-1EE4-4B0D-633B-DE583FA141DD}"/>
               </a:ext>
             </a:extLst>
           </p:cNvPr>
@@ -1933,7 +1933,7 @@
           <p:cNvPr id="3" name="日期占位符 2">
             <a:extLst>
               <a:ext uri="{FF2B5EF4-FFF2-40B4-BE49-F238E27FC236}">
-                <a16:creationId xmlns:a16="http://schemas.microsoft.com/office/drawing/2014/main" id="{EF64B4FB-E2E2-97A8-6E3B-007F706DAEBF}"/>
+                <a16:creationId xmlns:a16="http://schemas.microsoft.com/office/drawing/2014/main" id="{DABC0585-F12E-BF25-96E6-7F6B590E8769}"/>
               </a:ext>
             </a:extLst>
           </p:cNvPr>
@@ -1949,7 +1949,7 @@
           <a:bodyPr/>
           <a:lstStyle/>
           <a:p>
-            <a:fld id="{DB88AFD8-DADC-4209-AF26-2B1B419D7BC3}" type="datetimeFigureOut">
+            <a:fld id="{BCF28712-EE2A-42BB-80FE-EAA484E6719A}" type="datetimeFigureOut">
               <a:rPr lang="zh-CN" altLang="en-US" smtClean="0"/>
               <a:t>2024/3/10</a:t>
             </a:fld>
@@ -1962,7 +1962,7 @@
           <p:cNvPr id="4" name="页脚占位符 3">
             <a:extLst>
               <a:ext uri="{FF2B5EF4-FFF2-40B4-BE49-F238E27FC236}">
-                <a16:creationId xmlns:a16="http://schemas.microsoft.com/office/drawing/2014/main" id="{56EE0378-CAD8-FBA9-191B-DDE04D0F2D43}"/>
+                <a16:creationId xmlns:a16="http://schemas.microsoft.com/office/drawing/2014/main" id="{DD8ECFED-47E4-7484-664D-7FD9D9FB47CF}"/>
               </a:ext>
             </a:extLst>
           </p:cNvPr>
@@ -1987,7 +1987,7 @@
           <p:cNvPr id="5" name="灯片编号占位符 4">
             <a:extLst>
               <a:ext uri="{FF2B5EF4-FFF2-40B4-BE49-F238E27FC236}">
-                <a16:creationId xmlns:a16="http://schemas.microsoft.com/office/drawing/2014/main" id="{4C79D4CC-7835-F466-351D-C519C6AC2166}"/>
+                <a16:creationId xmlns:a16="http://schemas.microsoft.com/office/drawing/2014/main" id="{F7AB9213-2809-2D0B-8960-25EA117ECB6C}"/>
               </a:ext>
             </a:extLst>
           </p:cNvPr>
@@ -2003,7 +2003,7 @@
           <a:bodyPr/>
           <a:lstStyle/>
           <a:p>
-            <a:fld id="{12F29AA9-D9FE-402B-82E2-A0ECA1626D60}" type="slidenum">
+            <a:fld id="{EC7C8A22-A04D-4C04-85A4-0DDE7D8B9AEB}" type="slidenum">
               <a:rPr lang="zh-CN" altLang="en-US" smtClean="0"/>
               <a:t>‹#›</a:t>
             </a:fld>
@@ -2014,7 +2014,7 @@
     </p:spTree>
     <p:extLst>
       <p:ext uri="{BB962C8B-B14F-4D97-AF65-F5344CB8AC3E}">
-        <p14:creationId xmlns:p14="http://schemas.microsoft.com/office/powerpoint/2010/main" val="1432729060"/>
+        <p14:creationId xmlns:p14="http://schemas.microsoft.com/office/powerpoint/2010/main" val="3991209178"/>
       </p:ext>
     </p:extLst>
   </p:cSld>
@@ -2046,7 +2046,7 @@
           <p:cNvPr id="2" name="日期占位符 1">
             <a:extLst>
               <a:ext uri="{FF2B5EF4-FFF2-40B4-BE49-F238E27FC236}">
-                <a16:creationId xmlns:a16="http://schemas.microsoft.com/office/drawing/2014/main" id="{6B36B699-392A-4E61-1465-6B5544EE6F79}"/>
+                <a16:creationId xmlns:a16="http://schemas.microsoft.com/office/drawing/2014/main" id="{12B311E1-0187-C0CF-D2DA-291CBF824B29}"/>
               </a:ext>
             </a:extLst>
           </p:cNvPr>
@@ -2062,7 +2062,7 @@
           <a:bodyPr/>
           <a:lstStyle/>
           <a:p>
-            <a:fld id="{DB88AFD8-DADC-4209-AF26-2B1B419D7BC3}" type="datetimeFigureOut">
+            <a:fld id="{BCF28712-EE2A-42BB-80FE-EAA484E6719A}" type="datetimeFigureOut">
               <a:rPr lang="zh-CN" altLang="en-US" smtClean="0"/>
               <a:t>2024/3/10</a:t>
             </a:fld>
@@ -2075,7 +2075,7 @@
           <p:cNvPr id="3" name="页脚占位符 2">
             <a:extLst>
               <a:ext uri="{FF2B5EF4-FFF2-40B4-BE49-F238E27FC236}">
-                <a16:creationId xmlns:a16="http://schemas.microsoft.com/office/drawing/2014/main" id="{D5531D35-852E-656D-E959-1CF4ADF59AEE}"/>
+                <a16:creationId xmlns:a16="http://schemas.microsoft.com/office/drawing/2014/main" id="{4F13B421-C486-B766-A919-3D79601DA86B}"/>
               </a:ext>
             </a:extLst>
           </p:cNvPr>
@@ -2100,7 +2100,7 @@
           <p:cNvPr id="4" name="灯片编号占位符 3">
             <a:extLst>
               <a:ext uri="{FF2B5EF4-FFF2-40B4-BE49-F238E27FC236}">
-                <a16:creationId xmlns:a16="http://schemas.microsoft.com/office/drawing/2014/main" id="{82F5C65E-05A4-6662-CFE5-96759539D540}"/>
+                <a16:creationId xmlns:a16="http://schemas.microsoft.com/office/drawing/2014/main" id="{68464E2C-FE38-77A9-3325-F66C60E2EE96}"/>
               </a:ext>
             </a:extLst>
           </p:cNvPr>
@@ -2116,7 +2116,7 @@
           <a:bodyPr/>
           <a:lstStyle/>
           <a:p>
-            <a:fld id="{12F29AA9-D9FE-402B-82E2-A0ECA1626D60}" type="slidenum">
+            <a:fld id="{EC7C8A22-A04D-4C04-85A4-0DDE7D8B9AEB}" type="slidenum">
               <a:rPr lang="zh-CN" altLang="en-US" smtClean="0"/>
               <a:t>‹#›</a:t>
             </a:fld>
@@ -2127,7 +2127,7 @@
     </p:spTree>
     <p:extLst>
       <p:ext uri="{BB962C8B-B14F-4D97-AF65-F5344CB8AC3E}">
-        <p14:creationId xmlns:p14="http://schemas.microsoft.com/office/powerpoint/2010/main" val="3865327020"/>
+        <p14:creationId xmlns:p14="http://schemas.microsoft.com/office/powerpoint/2010/main" val="1078737848"/>
       </p:ext>
     </p:extLst>
   </p:cSld>
@@ -2159,7 +2159,7 @@
           <p:cNvPr id="2" name="标题 1">
             <a:extLst>
               <a:ext uri="{FF2B5EF4-FFF2-40B4-BE49-F238E27FC236}">
-                <a16:creationId xmlns:a16="http://schemas.microsoft.com/office/drawing/2014/main" id="{F3FF1D45-A391-F633-19F6-37BD987751C7}"/>
+                <a16:creationId xmlns:a16="http://schemas.microsoft.com/office/drawing/2014/main" id="{A5E088AC-E0C3-691F-C6E1-D20C25ECBD6A}"/>
               </a:ext>
             </a:extLst>
           </p:cNvPr>
@@ -2196,7 +2196,7 @@
           <p:cNvPr id="3" name="内容占位符 2">
             <a:extLst>
               <a:ext uri="{FF2B5EF4-FFF2-40B4-BE49-F238E27FC236}">
-                <a16:creationId xmlns:a16="http://schemas.microsoft.com/office/drawing/2014/main" id="{67E8EFFC-E6F4-BC74-EBE9-EF70D4C37EF8}"/>
+                <a16:creationId xmlns:a16="http://schemas.microsoft.com/office/drawing/2014/main" id="{11C329C5-8D52-DC64-83CD-86387E789352}"/>
               </a:ext>
             </a:extLst>
           </p:cNvPr>
@@ -2286,7 +2286,7 @@
           <p:cNvPr id="4" name="文本占位符 3">
             <a:extLst>
               <a:ext uri="{FF2B5EF4-FFF2-40B4-BE49-F238E27FC236}">
-                <a16:creationId xmlns:a16="http://schemas.microsoft.com/office/drawing/2014/main" id="{F3A2458E-D0B1-7C3A-513A-C081AE3D2C57}"/>
+                <a16:creationId xmlns:a16="http://schemas.microsoft.com/office/drawing/2014/main" id="{8A52FB0C-D09C-91FF-581E-14ACE9C7962C}"/>
               </a:ext>
             </a:extLst>
           </p:cNvPr>
@@ -2357,7 +2357,7 @@
           <p:cNvPr id="5" name="日期占位符 4">
             <a:extLst>
               <a:ext uri="{FF2B5EF4-FFF2-40B4-BE49-F238E27FC236}">
-                <a16:creationId xmlns:a16="http://schemas.microsoft.com/office/drawing/2014/main" id="{AA785B08-9312-F0FD-2997-F50465466E06}"/>
+                <a16:creationId xmlns:a16="http://schemas.microsoft.com/office/drawing/2014/main" id="{E007BA07-E14A-31B2-A337-F2101561235E}"/>
               </a:ext>
             </a:extLst>
           </p:cNvPr>
@@ -2373,7 +2373,7 @@
           <a:bodyPr/>
           <a:lstStyle/>
           <a:p>
-            <a:fld id="{DB88AFD8-DADC-4209-AF26-2B1B419D7BC3}" type="datetimeFigureOut">
+            <a:fld id="{BCF28712-EE2A-42BB-80FE-EAA484E6719A}" type="datetimeFigureOut">
               <a:rPr lang="zh-CN" altLang="en-US" smtClean="0"/>
               <a:t>2024/3/10</a:t>
             </a:fld>
@@ -2386,7 +2386,7 @@
           <p:cNvPr id="6" name="页脚占位符 5">
             <a:extLst>
               <a:ext uri="{FF2B5EF4-FFF2-40B4-BE49-F238E27FC236}">
-                <a16:creationId xmlns:a16="http://schemas.microsoft.com/office/drawing/2014/main" id="{C3C87C4F-097B-EBB3-F819-8B0DE29EB1B9}"/>
+                <a16:creationId xmlns:a16="http://schemas.microsoft.com/office/drawing/2014/main" id="{6A5BB94C-76FC-C9D2-ECE3-FEFA998466D0}"/>
               </a:ext>
             </a:extLst>
           </p:cNvPr>
@@ -2411,7 +2411,7 @@
           <p:cNvPr id="7" name="灯片编号占位符 6">
             <a:extLst>
               <a:ext uri="{FF2B5EF4-FFF2-40B4-BE49-F238E27FC236}">
-                <a16:creationId xmlns:a16="http://schemas.microsoft.com/office/drawing/2014/main" id="{808D742F-5EC1-26ED-219D-7284E84BF904}"/>
+                <a16:creationId xmlns:a16="http://schemas.microsoft.com/office/drawing/2014/main" id="{11B57E31-8292-54BF-FB06-602BE2BA44CD}"/>
               </a:ext>
             </a:extLst>
           </p:cNvPr>
@@ -2427,7 +2427,7 @@
           <a:bodyPr/>
           <a:lstStyle/>
           <a:p>
-            <a:fld id="{12F29AA9-D9FE-402B-82E2-A0ECA1626D60}" type="slidenum">
+            <a:fld id="{EC7C8A22-A04D-4C04-85A4-0DDE7D8B9AEB}" type="slidenum">
               <a:rPr lang="zh-CN" altLang="en-US" smtClean="0"/>
               <a:t>‹#›</a:t>
             </a:fld>
@@ -2438,7 +2438,7 @@
     </p:spTree>
     <p:extLst>
       <p:ext uri="{BB962C8B-B14F-4D97-AF65-F5344CB8AC3E}">
-        <p14:creationId xmlns:p14="http://schemas.microsoft.com/office/powerpoint/2010/main" val="3289035690"/>
+        <p14:creationId xmlns:p14="http://schemas.microsoft.com/office/powerpoint/2010/main" val="1325099921"/>
       </p:ext>
     </p:extLst>
   </p:cSld>
@@ -2470,7 +2470,7 @@
           <p:cNvPr id="2" name="标题 1">
             <a:extLst>
               <a:ext uri="{FF2B5EF4-FFF2-40B4-BE49-F238E27FC236}">
-                <a16:creationId xmlns:a16="http://schemas.microsoft.com/office/drawing/2014/main" id="{C8CFE8F0-F356-A30A-C306-FBC7FD042BEC}"/>
+                <a16:creationId xmlns:a16="http://schemas.microsoft.com/office/drawing/2014/main" id="{3786CE1A-A705-56DB-E3AA-805F45FC71ED}"/>
               </a:ext>
             </a:extLst>
           </p:cNvPr>
@@ -2507,7 +2507,7 @@
           <p:cNvPr id="3" name="图片占位符 2">
             <a:extLst>
               <a:ext uri="{FF2B5EF4-FFF2-40B4-BE49-F238E27FC236}">
-                <a16:creationId xmlns:a16="http://schemas.microsoft.com/office/drawing/2014/main" id="{1F35E43D-5A7B-3482-6A64-86240A6E4FE0}"/>
+                <a16:creationId xmlns:a16="http://schemas.microsoft.com/office/drawing/2014/main" id="{D7FA9F58-A110-0119-F864-310F326463F8}"/>
               </a:ext>
             </a:extLst>
           </p:cNvPr>
@@ -2574,7 +2574,7 @@
           <p:cNvPr id="4" name="文本占位符 3">
             <a:extLst>
               <a:ext uri="{FF2B5EF4-FFF2-40B4-BE49-F238E27FC236}">
-                <a16:creationId xmlns:a16="http://schemas.microsoft.com/office/drawing/2014/main" id="{0BDFAE37-4A8A-C8EE-5E99-3E519606B991}"/>
+                <a16:creationId xmlns:a16="http://schemas.microsoft.com/office/drawing/2014/main" id="{F1586B97-23DB-8F0F-6587-2A59D9B1DBC6}"/>
               </a:ext>
             </a:extLst>
           </p:cNvPr>
@@ -2645,7 +2645,7 @@
           <p:cNvPr id="5" name="日期占位符 4">
             <a:extLst>
               <a:ext uri="{FF2B5EF4-FFF2-40B4-BE49-F238E27FC236}">
-                <a16:creationId xmlns:a16="http://schemas.microsoft.com/office/drawing/2014/main" id="{94EC1A9C-B21D-43AD-3266-C8EC0A78BFB3}"/>
+                <a16:creationId xmlns:a16="http://schemas.microsoft.com/office/drawing/2014/main" id="{95F6B0AB-6A42-912C-60D6-890A07906BFC}"/>
               </a:ext>
             </a:extLst>
           </p:cNvPr>
@@ -2661,7 +2661,7 @@
           <a:bodyPr/>
           <a:lstStyle/>
           <a:p>
-            <a:fld id="{DB88AFD8-DADC-4209-AF26-2B1B419D7BC3}" type="datetimeFigureOut">
+            <a:fld id="{BCF28712-EE2A-42BB-80FE-EAA484E6719A}" type="datetimeFigureOut">
               <a:rPr lang="zh-CN" altLang="en-US" smtClean="0"/>
               <a:t>2024/3/10</a:t>
             </a:fld>
@@ -2674,7 +2674,7 @@
           <p:cNvPr id="6" name="页脚占位符 5">
             <a:extLst>
               <a:ext uri="{FF2B5EF4-FFF2-40B4-BE49-F238E27FC236}">
-                <a16:creationId xmlns:a16="http://schemas.microsoft.com/office/drawing/2014/main" id="{0A860D2D-E469-EEDE-9778-F018929AD8DF}"/>
+                <a16:creationId xmlns:a16="http://schemas.microsoft.com/office/drawing/2014/main" id="{844CD192-D3F8-29C9-B5D4-DE99A83330B6}"/>
               </a:ext>
             </a:extLst>
           </p:cNvPr>
@@ -2699,7 +2699,7 @@
           <p:cNvPr id="7" name="灯片编号占位符 6">
             <a:extLst>
               <a:ext uri="{FF2B5EF4-FFF2-40B4-BE49-F238E27FC236}">
-                <a16:creationId xmlns:a16="http://schemas.microsoft.com/office/drawing/2014/main" id="{1BA1E0CA-3789-7602-A5B7-C88E55D1D5B6}"/>
+                <a16:creationId xmlns:a16="http://schemas.microsoft.com/office/drawing/2014/main" id="{2AE2810E-F3AF-8770-0795-373A81D9D780}"/>
               </a:ext>
             </a:extLst>
           </p:cNvPr>
@@ -2715,7 +2715,7 @@
           <a:bodyPr/>
           <a:lstStyle/>
           <a:p>
-            <a:fld id="{12F29AA9-D9FE-402B-82E2-A0ECA1626D60}" type="slidenum">
+            <a:fld id="{EC7C8A22-A04D-4C04-85A4-0DDE7D8B9AEB}" type="slidenum">
               <a:rPr lang="zh-CN" altLang="en-US" smtClean="0"/>
               <a:t>‹#›</a:t>
             </a:fld>
@@ -2726,7 +2726,7 @@
     </p:spTree>
     <p:extLst>
       <p:ext uri="{BB962C8B-B14F-4D97-AF65-F5344CB8AC3E}">
-        <p14:creationId xmlns:p14="http://schemas.microsoft.com/office/powerpoint/2010/main" val="2152143049"/>
+        <p14:creationId xmlns:p14="http://schemas.microsoft.com/office/powerpoint/2010/main" val="3052352165"/>
       </p:ext>
     </p:extLst>
   </p:cSld>
@@ -2763,7 +2763,7 @@
           <p:cNvPr id="2" name="标题占位符 1">
             <a:extLst>
               <a:ext uri="{FF2B5EF4-FFF2-40B4-BE49-F238E27FC236}">
-                <a16:creationId xmlns:a16="http://schemas.microsoft.com/office/drawing/2014/main" id="{6958849D-7FF0-009E-46A5-C0B7D6B3F48C}"/>
+                <a16:creationId xmlns:a16="http://schemas.microsoft.com/office/drawing/2014/main" id="{0A69B00A-69C4-6255-AE9F-F9505F569202}"/>
               </a:ext>
             </a:extLst>
           </p:cNvPr>
@@ -2801,7 +2801,7 @@
           <p:cNvPr id="3" name="文本占位符 2">
             <a:extLst>
               <a:ext uri="{FF2B5EF4-FFF2-40B4-BE49-F238E27FC236}">
-                <a16:creationId xmlns:a16="http://schemas.microsoft.com/office/drawing/2014/main" id="{250688DC-F929-9F23-2175-72B3816FE232}"/>
+                <a16:creationId xmlns:a16="http://schemas.microsoft.com/office/drawing/2014/main" id="{7CACBFB4-1483-BD6E-5665-C2D8B0EE583A}"/>
               </a:ext>
             </a:extLst>
           </p:cNvPr>
@@ -2868,7 +2868,7 @@
           <p:cNvPr id="4" name="日期占位符 3">
             <a:extLst>
               <a:ext uri="{FF2B5EF4-FFF2-40B4-BE49-F238E27FC236}">
-                <a16:creationId xmlns:a16="http://schemas.microsoft.com/office/drawing/2014/main" id="{8971CCC5-4E42-B847-BCBF-133FD264CEEA}"/>
+                <a16:creationId xmlns:a16="http://schemas.microsoft.com/office/drawing/2014/main" id="{DD63CE45-EF63-D5C7-8B43-4E9277555087}"/>
               </a:ext>
             </a:extLst>
           </p:cNvPr>
@@ -2902,7 +2902,7 @@
             </a:lvl1pPr>
           </a:lstStyle>
           <a:p>
-            <a:fld id="{DB88AFD8-DADC-4209-AF26-2B1B419D7BC3}" type="datetimeFigureOut">
+            <a:fld id="{BCF28712-EE2A-42BB-80FE-EAA484E6719A}" type="datetimeFigureOut">
               <a:rPr lang="zh-CN" altLang="en-US" smtClean="0"/>
               <a:t>2024/3/10</a:t>
             </a:fld>
@@ -2915,7 +2915,7 @@
           <p:cNvPr id="5" name="页脚占位符 4">
             <a:extLst>
               <a:ext uri="{FF2B5EF4-FFF2-40B4-BE49-F238E27FC236}">
-                <a16:creationId xmlns:a16="http://schemas.microsoft.com/office/drawing/2014/main" id="{44E2ED48-A337-7EE3-6802-F581C7FE13B4}"/>
+                <a16:creationId xmlns:a16="http://schemas.microsoft.com/office/drawing/2014/main" id="{E1FFB1AE-E77B-ABD0-1211-8C6E62E1B227}"/>
               </a:ext>
             </a:extLst>
           </p:cNvPr>
@@ -2958,7 +2958,7 @@
           <p:cNvPr id="6" name="灯片编号占位符 5">
             <a:extLst>
               <a:ext uri="{FF2B5EF4-FFF2-40B4-BE49-F238E27FC236}">
-                <a16:creationId xmlns:a16="http://schemas.microsoft.com/office/drawing/2014/main" id="{FFFFA5C6-9A75-B3EB-4B50-A377987BDD25}"/>
+                <a16:creationId xmlns:a16="http://schemas.microsoft.com/office/drawing/2014/main" id="{34BAACE2-E246-CB5E-50ED-A008BF4AFBA4}"/>
               </a:ext>
             </a:extLst>
           </p:cNvPr>
@@ -2992,7 +2992,7 @@
             </a:lvl1pPr>
           </a:lstStyle>
           <a:p>
-            <a:fld id="{12F29AA9-D9FE-402B-82E2-A0ECA1626D60}" type="slidenum">
+            <a:fld id="{EC7C8A22-A04D-4C04-85A4-0DDE7D8B9AEB}" type="slidenum">
               <a:rPr lang="zh-CN" altLang="en-US" smtClean="0"/>
               <a:t>‹#›</a:t>
             </a:fld>
@@ -3003,7 +3003,7 @@
     </p:spTree>
     <p:extLst>
       <p:ext uri="{BB962C8B-B14F-4D97-AF65-F5344CB8AC3E}">
-        <p14:creationId xmlns:p14="http://schemas.microsoft.com/office/powerpoint/2010/main" val="676667155"/>
+        <p14:creationId xmlns:p14="http://schemas.microsoft.com/office/powerpoint/2010/main" val="2618530920"/>
       </p:ext>
     </p:extLst>
   </p:cSld>
@@ -3323,7 +3323,7 @@
       </p:grpSpPr>
       <p:pic>
         <p:nvPicPr>
-          <p:cNvPr id="1467394" name="Picture 2" descr="1432"/>
+          <p:cNvPr id="1468418" name="Picture 2" descr="1433"/>
           <p:cNvPicPr>
             <a:picLocks noChangeAspect="1" noChangeArrowheads="1"/>
           </p:cNvPicPr>
@@ -3344,8 +3344,8 @@
         </p:blipFill>
         <p:spPr bwMode="auto">
           <a:xfrm>
-            <a:off x="1524000" y="0"/>
-            <a:ext cx="9144000" cy="4292600"/>
+            <a:off x="1598614" y="0"/>
+            <a:ext cx="9069387" cy="6802438"/>
           </a:xfrm>
           <a:prstGeom prst="rect">
             <a:avLst/>
